--- a/Health Cheker AI Agent _Sajid_Project.pptx
+++ b/Health Cheker AI Agent _Sajid_Project.pptx
@@ -223,7 +223,7 @@
           <a:p>
             <a:fld id="{46256A78-79A6-408F-8148-4F87BB81602D}" type="datetimeFigureOut">
               <a:rPr lang="en-IN" smtClean="0"/>
-              <a:t>03-08-2025</a:t>
+              <a:t>05-12-2025</a:t>
             </a:fld>
             <a:endParaRPr lang="en-IN"/>
           </a:p>
@@ -727,7 +727,7 @@
           <a:p>
             <a:fld id="{ED291B17-9318-49DB-B28B-6E5994AE9581}" type="datetime1">
               <a:rPr lang="en-US" smtClean="0"/>
-              <a:t>8/3/2025</a:t>
+              <a:t>12/5/2025</a:t>
             </a:fld>
             <a:endParaRPr lang="en-US"/>
           </a:p>
@@ -936,7 +936,7 @@
           <a:p>
             <a:fld id="{2CED4963-E985-44C4-B8C4-FDD613B7C2F8}" type="datetime1">
               <a:rPr lang="en-US" smtClean="0"/>
-              <a:t>8/3/2025</a:t>
+              <a:t>12/5/2025</a:t>
             </a:fld>
             <a:endParaRPr lang="en-US"/>
           </a:p>
@@ -1304,7 +1304,7 @@
           <a:p>
             <a:fld id="{ED291B17-9318-49DB-B28B-6E5994AE9581}" type="datetime1">
               <a:rPr lang="en-US" smtClean="0"/>
-              <a:t>8/3/2025</a:t>
+              <a:t>12/5/2025</a:t>
             </a:fld>
             <a:endParaRPr lang="en-US"/>
           </a:p>
@@ -1508,7 +1508,7 @@
           <a:p>
             <a:fld id="{78DD82B9-B8EE-4375-B6FF-88FA6ABB15D9}" type="datetime1">
               <a:rPr lang="en-US" smtClean="0"/>
-              <a:t>8/3/2025</a:t>
+              <a:t>12/5/2025</a:t>
             </a:fld>
             <a:endParaRPr lang="en-US"/>
           </a:p>
@@ -1765,7 +1765,7 @@
           <a:p>
             <a:fld id="{B2497495-0637-405E-AE64-5CC7506D51F5}" type="datetime1">
               <a:rPr lang="en-US" smtClean="0"/>
-              <a:t>8/3/2025</a:t>
+              <a:t>12/5/2025</a:t>
             </a:fld>
             <a:endParaRPr lang="en-US"/>
           </a:p>
@@ -2023,7 +2023,7 @@
           <a:p>
             <a:fld id="{7BFFD690-9426-415D-8B65-26881E07B2D4}" type="datetime1">
               <a:rPr lang="en-US" smtClean="0"/>
-              <a:t>8/3/2025</a:t>
+              <a:t>12/5/2025</a:t>
             </a:fld>
             <a:endParaRPr lang="en-US"/>
           </a:p>
@@ -2450,7 +2450,7 @@
           <a:p>
             <a:fld id="{04C4989A-474C-40DE-95B9-011C28B71673}" type="datetime1">
               <a:rPr lang="en-US" smtClean="0"/>
-              <a:t>8/3/2025</a:t>
+              <a:t>12/5/2025</a:t>
             </a:fld>
             <a:endParaRPr lang="en-US"/>
           </a:p>
@@ -2580,7 +2580,7 @@
           <a:p>
             <a:fld id="{5DB4ED54-5B5E-4A04-93D3-5772E3CE3818}" type="datetime1">
               <a:rPr lang="en-US" smtClean="0"/>
-              <a:t>8/3/2025</a:t>
+              <a:t>12/5/2025</a:t>
             </a:fld>
             <a:endParaRPr lang="en-US"/>
           </a:p>
@@ -2683,7 +2683,7 @@
           <a:p>
             <a:fld id="{4EDE50D6-574B-40AF-946F-D52A04ADE379}" type="datetime1">
               <a:rPr lang="en-US" smtClean="0"/>
-              <a:t>8/3/2025</a:t>
+              <a:t>12/5/2025</a:t>
             </a:fld>
             <a:endParaRPr lang="en-US"/>
           </a:p>
@@ -3066,7 +3066,7 @@
           <a:p>
             <a:fld id="{D82884F1-FFEA-405F-9602-3DCA865EDA4E}" type="datetime1">
               <a:rPr lang="en-US" smtClean="0"/>
-              <a:t>8/3/2025</a:t>
+              <a:t>12/5/2025</a:t>
             </a:fld>
             <a:endParaRPr lang="en-US"/>
           </a:p>
@@ -3360,7 +3360,7 @@
           <a:p>
             <a:fld id="{7E18DB4A-8810-4A10-AD5C-D5E2C667F5B3}" type="datetime1">
               <a:rPr lang="en-US" smtClean="0"/>
-              <a:t>8/3/2025</a:t>
+              <a:t>12/5/2025</a:t>
             </a:fld>
             <a:endParaRPr lang="en-US"/>
           </a:p>
@@ -3581,7 +3581,7 @@
           <a:p>
             <a:fld id="{ED291B17-9318-49DB-B28B-6E5994AE9581}" type="datetime1">
               <a:rPr lang="en-US" smtClean="0"/>
-              <a:t>8/3/2025</a:t>
+              <a:t>12/5/2025</a:t>
             </a:fld>
             <a:endParaRPr lang="en-US"/>
           </a:p>
@@ -4285,7 +4285,7 @@
                 <a:latin typeface="Arial"/>
                 <a:cs typeface="Arial"/>
               </a:rPr>
-              <a:t>IBM HACKATHON PROJECT</a:t>
+              <a:t>IBM INTERNSHIP PROJECT</a:t>
             </a:r>
           </a:p>
         </p:txBody>
@@ -5494,6 +5494,45 @@
           </a:prstGeom>
         </p:spPr>
       </p:pic>
+      <p:sp>
+        <p:nvSpPr>
+          <p:cNvPr id="7" name="TextBox 6">
+            <a:extLst>
+              <a:ext uri="{FF2B5EF4-FFF2-40B4-BE49-F238E27FC236}">
+                <a16:creationId xmlns:a16="http://schemas.microsoft.com/office/drawing/2014/main" id="{0192CAA6-F527-6F78-BCB2-D2A770690FA7}"/>
+              </a:ext>
+            </a:extLst>
+          </p:cNvPr>
+          <p:cNvSpPr txBox="1"/>
+          <p:nvPr/>
+        </p:nvSpPr>
+        <p:spPr>
+          <a:xfrm>
+            <a:off x="8494776" y="5712291"/>
+            <a:ext cx="1709928" cy="369332"/>
+          </a:xfrm>
+          <a:prstGeom prst="rect">
+            <a:avLst/>
+          </a:prstGeom>
+          <a:solidFill>
+            <a:srgbClr val="A7A7A7"/>
+          </a:solidFill>
+          <a:ln>
+            <a:solidFill>
+              <a:srgbClr val="A7A7A7"/>
+            </a:solidFill>
+          </a:ln>
+        </p:spPr>
+        <p:txBody>
+          <a:bodyPr wrap="square" rtlCol="0">
+            <a:spAutoFit/>
+          </a:bodyPr>
+          <a:lstStyle/>
+          <a:p>
+            <a:endParaRPr lang="en-IN" dirty="0"/>
+          </a:p>
+        </p:txBody>
+      </p:sp>
     </p:spTree>
     <p:extLst>
       <p:ext uri="{BB962C8B-B14F-4D97-AF65-F5344CB8AC3E}">
@@ -7410,11 +7449,12 @@
 </file>
 
 <file path=customXml/item1.xml><?xml version="1.0" encoding="utf-8"?>
-<p:properties xmlns:p="http://schemas.microsoft.com/office/2006/metadata/properties" xmlns:xsi="http://www.w3.org/2001/XMLSchema-instance" xmlns:pc="http://schemas.microsoft.com/office/infopath/2007/PartnerControls">
-  <documentManagement>
-    <_activity xmlns="b30265f8-c5e2-4918-b4a1-b977299ca3e2" xsi:nil="true"/>
-  </documentManagement>
-</p:properties>
+<?mso-contentType ?>
+<FormTemplates xmlns="http://schemas.microsoft.com/sharepoint/v3/contenttype/forms">
+  <Display>DocumentLibraryForm</Display>
+  <Edit>DocumentLibraryForm</Edit>
+  <New>DocumentLibraryForm</New>
+</FormTemplates>
 </file>
 
 <file path=customXml/item2.xml><?xml version="1.0" encoding="utf-8"?>
@@ -7651,27 +7691,17 @@
 </file>
 
 <file path=customXml/item3.xml><?xml version="1.0" encoding="utf-8"?>
-<?mso-contentType ?>
-<FormTemplates xmlns="http://schemas.microsoft.com/sharepoint/v3/contenttype/forms">
-  <Display>DocumentLibraryForm</Display>
-  <Edit>DocumentLibraryForm</Edit>
-  <New>DocumentLibraryForm</New>
-</FormTemplates>
+<p:properties xmlns:p="http://schemas.microsoft.com/office/2006/metadata/properties" xmlns:xsi="http://www.w3.org/2001/XMLSchema-instance" xmlns:pc="http://schemas.microsoft.com/office/infopath/2007/PartnerControls">
+  <documentManagement>
+    <_activity xmlns="b30265f8-c5e2-4918-b4a1-b977299ca3e2" xsi:nil="true"/>
+  </documentManagement>
+</p:properties>
 </file>
 
 <file path=customXml/itemProps1.xml><?xml version="1.0" encoding="utf-8"?>
-<ds:datastoreItem xmlns:ds="http://schemas.openxmlformats.org/officeDocument/2006/customXml" ds:itemID="{8D289AE2-D2AE-49D1-AFAC-3A79F6794255}">
+<ds:datastoreItem xmlns:ds="http://schemas.openxmlformats.org/officeDocument/2006/customXml" ds:itemID="{927BD4C1-B6B1-4715-ABF9-E660A51A4EA0}">
   <ds:schemaRefs>
-    <ds:schemaRef ds:uri="http://www.w3.org/XML/1998/namespace"/>
-    <ds:schemaRef ds:uri="http://purl.org/dc/dcmitype/"/>
-    <ds:schemaRef ds:uri="http://purl.org/dc/terms/"/>
-    <ds:schemaRef ds:uri="fadb41d3-f9cb-40fb-903c-8cacaba95bb5"/>
-    <ds:schemaRef ds:uri="http://purl.org/dc/elements/1.1/"/>
-    <ds:schemaRef ds:uri="http://schemas.microsoft.com/office/2006/documentManagement/types"/>
-    <ds:schemaRef ds:uri="http://schemas.microsoft.com/office/infopath/2007/PartnerControls"/>
-    <ds:schemaRef ds:uri="http://schemas.openxmlformats.org/package/2006/metadata/core-properties"/>
-    <ds:schemaRef ds:uri="b30265f8-c5e2-4918-b4a1-b977299ca3e2"/>
-    <ds:schemaRef ds:uri="http://schemas.microsoft.com/office/2006/metadata/properties"/>
+    <ds:schemaRef ds:uri="http://schemas.microsoft.com/sharepoint/v3/contenttype/forms"/>
   </ds:schemaRefs>
 </ds:datastoreItem>
 </file>
@@ -7696,9 +7726,18 @@
 </file>
 
 <file path=customXml/itemProps3.xml><?xml version="1.0" encoding="utf-8"?>
-<ds:datastoreItem xmlns:ds="http://schemas.openxmlformats.org/officeDocument/2006/customXml" ds:itemID="{927BD4C1-B6B1-4715-ABF9-E660A51A4EA0}">
+<ds:datastoreItem xmlns:ds="http://schemas.openxmlformats.org/officeDocument/2006/customXml" ds:itemID="{8D289AE2-D2AE-49D1-AFAC-3A79F6794255}">
   <ds:schemaRefs>
-    <ds:schemaRef ds:uri="http://schemas.microsoft.com/sharepoint/v3/contenttype/forms"/>
+    <ds:schemaRef ds:uri="http://www.w3.org/XML/1998/namespace"/>
+    <ds:schemaRef ds:uri="http://purl.org/dc/dcmitype/"/>
+    <ds:schemaRef ds:uri="http://purl.org/dc/terms/"/>
+    <ds:schemaRef ds:uri="fadb41d3-f9cb-40fb-903c-8cacaba95bb5"/>
+    <ds:schemaRef ds:uri="http://purl.org/dc/elements/1.1/"/>
+    <ds:schemaRef ds:uri="http://schemas.microsoft.com/office/2006/documentManagement/types"/>
+    <ds:schemaRef ds:uri="http://schemas.microsoft.com/office/infopath/2007/PartnerControls"/>
+    <ds:schemaRef ds:uri="http://schemas.openxmlformats.org/package/2006/metadata/core-properties"/>
+    <ds:schemaRef ds:uri="b30265f8-c5e2-4918-b4a1-b977299ca3e2"/>
+    <ds:schemaRef ds:uri="http://schemas.microsoft.com/office/2006/metadata/properties"/>
   </ds:schemaRefs>
 </ds:datastoreItem>
 </file>